--- a/Linux/防火墙/iptables.pptx
+++ b/Linux/防火墙/iptables.pptx
@@ -241,7 +241,7 @@
           <a:p>
             <a:fld id="{9A99C4B3-1867-4FBE-AA41-6EE0516A6C5B}" type="datetimeFigureOut">
               <a:rPr lang="zh-CN" altLang="en-US" smtClean="0"/>
-              <a:t>2016/12/14</a:t>
+              <a:t>2016/12/16</a:t>
             </a:fld>
             <a:endParaRPr lang="zh-CN" altLang="en-US"/>
           </a:p>
@@ -409,7 +409,7 @@
           <a:p>
             <a:fld id="{9A99C4B3-1867-4FBE-AA41-6EE0516A6C5B}" type="datetimeFigureOut">
               <a:rPr lang="zh-CN" altLang="en-US" smtClean="0"/>
-              <a:t>2016/12/14</a:t>
+              <a:t>2016/12/16</a:t>
             </a:fld>
             <a:endParaRPr lang="zh-CN" altLang="en-US"/>
           </a:p>
@@ -587,7 +587,7 @@
           <a:p>
             <a:fld id="{9A99C4B3-1867-4FBE-AA41-6EE0516A6C5B}" type="datetimeFigureOut">
               <a:rPr lang="zh-CN" altLang="en-US" smtClean="0"/>
-              <a:t>2016/12/14</a:t>
+              <a:t>2016/12/16</a:t>
             </a:fld>
             <a:endParaRPr lang="zh-CN" altLang="en-US"/>
           </a:p>
@@ -755,7 +755,7 @@
           <a:p>
             <a:fld id="{9A99C4B3-1867-4FBE-AA41-6EE0516A6C5B}" type="datetimeFigureOut">
               <a:rPr lang="zh-CN" altLang="en-US" smtClean="0"/>
-              <a:t>2016/12/14</a:t>
+              <a:t>2016/12/16</a:t>
             </a:fld>
             <a:endParaRPr lang="zh-CN" altLang="en-US"/>
           </a:p>
@@ -1000,7 +1000,7 @@
           <a:p>
             <a:fld id="{9A99C4B3-1867-4FBE-AA41-6EE0516A6C5B}" type="datetimeFigureOut">
               <a:rPr lang="zh-CN" altLang="en-US" smtClean="0"/>
-              <a:t>2016/12/14</a:t>
+              <a:t>2016/12/16</a:t>
             </a:fld>
             <a:endParaRPr lang="zh-CN" altLang="en-US"/>
           </a:p>
@@ -1229,7 +1229,7 @@
           <a:p>
             <a:fld id="{9A99C4B3-1867-4FBE-AA41-6EE0516A6C5B}" type="datetimeFigureOut">
               <a:rPr lang="zh-CN" altLang="en-US" smtClean="0"/>
-              <a:t>2016/12/14</a:t>
+              <a:t>2016/12/16</a:t>
             </a:fld>
             <a:endParaRPr lang="zh-CN" altLang="en-US"/>
           </a:p>
@@ -1593,7 +1593,7 @@
           <a:p>
             <a:fld id="{9A99C4B3-1867-4FBE-AA41-6EE0516A6C5B}" type="datetimeFigureOut">
               <a:rPr lang="zh-CN" altLang="en-US" smtClean="0"/>
-              <a:t>2016/12/14</a:t>
+              <a:t>2016/12/16</a:t>
             </a:fld>
             <a:endParaRPr lang="zh-CN" altLang="en-US"/>
           </a:p>
@@ -1710,7 +1710,7 @@
           <a:p>
             <a:fld id="{9A99C4B3-1867-4FBE-AA41-6EE0516A6C5B}" type="datetimeFigureOut">
               <a:rPr lang="zh-CN" altLang="en-US" smtClean="0"/>
-              <a:t>2016/12/14</a:t>
+              <a:t>2016/12/16</a:t>
             </a:fld>
             <a:endParaRPr lang="zh-CN" altLang="en-US"/>
           </a:p>
@@ -1805,7 +1805,7 @@
           <a:p>
             <a:fld id="{9A99C4B3-1867-4FBE-AA41-6EE0516A6C5B}" type="datetimeFigureOut">
               <a:rPr lang="zh-CN" altLang="en-US" smtClean="0"/>
-              <a:t>2016/12/14</a:t>
+              <a:t>2016/12/16</a:t>
             </a:fld>
             <a:endParaRPr lang="zh-CN" altLang="en-US"/>
           </a:p>
@@ -2080,7 +2080,7 @@
           <a:p>
             <a:fld id="{9A99C4B3-1867-4FBE-AA41-6EE0516A6C5B}" type="datetimeFigureOut">
               <a:rPr lang="zh-CN" altLang="en-US" smtClean="0"/>
-              <a:t>2016/12/14</a:t>
+              <a:t>2016/12/16</a:t>
             </a:fld>
             <a:endParaRPr lang="zh-CN" altLang="en-US"/>
           </a:p>
@@ -2332,7 +2332,7 @@
           <a:p>
             <a:fld id="{9A99C4B3-1867-4FBE-AA41-6EE0516A6C5B}" type="datetimeFigureOut">
               <a:rPr lang="zh-CN" altLang="en-US" smtClean="0"/>
-              <a:t>2016/12/14</a:t>
+              <a:t>2016/12/16</a:t>
             </a:fld>
             <a:endParaRPr lang="zh-CN" altLang="en-US"/>
           </a:p>
@@ -2543,7 +2543,7 @@
           <a:p>
             <a:fld id="{9A99C4B3-1867-4FBE-AA41-6EE0516A6C5B}" type="datetimeFigureOut">
               <a:rPr lang="zh-CN" altLang="en-US" smtClean="0"/>
-              <a:t>2016/12/14</a:t>
+              <a:t>2016/12/16</a:t>
             </a:fld>
             <a:endParaRPr lang="zh-CN" altLang="en-US"/>
           </a:p>
@@ -4589,41 +4589,6 @@
           </a:p>
         </p:txBody>
       </p:sp>
-      <p:sp>
-        <p:nvSpPr>
-          <p:cNvPr id="72" name="文本框 71"/>
-          <p:cNvSpPr txBox="1"/>
-          <p:nvPr/>
-        </p:nvSpPr>
-        <p:spPr>
-          <a:xfrm>
-            <a:off x="5888040" y="5629728"/>
-            <a:ext cx="1554388" cy="369332"/>
-          </a:xfrm>
-          <a:prstGeom prst="rect">
-            <a:avLst/>
-          </a:prstGeom>
-          <a:noFill/>
-        </p:spPr>
-        <p:txBody>
-          <a:bodyPr wrap="square" rtlCol="0">
-            <a:spAutoFit/>
-          </a:bodyPr>
-          <a:lstStyle/>
-          <a:p>
-            <a:pPr algn="ctr"/>
-            <a:r>
-              <a:rPr lang="zh-CN" altLang="en-US" dirty="0"/>
-              <a:t>不匹配规则</a:t>
-            </a:r>
-            <a:r>
-              <a:rPr lang="en-US" altLang="zh-CN" dirty="0"/>
-              <a:t>N</a:t>
-            </a:r>
-            <a:endParaRPr lang="zh-CN" altLang="en-US" dirty="0"/>
-          </a:p>
-        </p:txBody>
-      </p:sp>
       <p:cxnSp>
         <p:nvCxnSpPr>
           <p:cNvPr id="74" name="直接连接符 73"/>
